--- a/TRABAJOS/G_05_0910_Alomia_Benites/Inyección de Dependencias.pptx
+++ b/TRABAJOS/G_05_0910_Alomia_Benites/Inyección de Dependencias.pptx
@@ -875,7 +875,7 @@
           <a:p>
             <a:fld id="{DA45E6A7-B835-4FB0-B4A4-77E76081DA17}" type="datetimeFigureOut">
               <a:rPr lang="es-ES" smtClean="0"/>
-              <a:t>22/02/2017</a:t>
+              <a:t>27/02/2017</a:t>
             </a:fld>
             <a:endParaRPr lang="es-ES"/>
           </a:p>
@@ -1126,7 +1126,7 @@
           <a:p>
             <a:fld id="{DA45E6A7-B835-4FB0-B4A4-77E76081DA17}" type="datetimeFigureOut">
               <a:rPr lang="es-ES" smtClean="0"/>
-              <a:t>22/02/2017</a:t>
+              <a:t>27/02/2017</a:t>
             </a:fld>
             <a:endParaRPr lang="es-ES"/>
           </a:p>
@@ -1440,7 +1440,7 @@
           <a:p>
             <a:fld id="{DA45E6A7-B835-4FB0-B4A4-77E76081DA17}" type="datetimeFigureOut">
               <a:rPr lang="es-ES" smtClean="0"/>
-              <a:t>22/02/2017</a:t>
+              <a:t>27/02/2017</a:t>
             </a:fld>
             <a:endParaRPr lang="es-ES"/>
           </a:p>
@@ -1773,7 +1773,7 @@
           <a:p>
             <a:fld id="{DA45E6A7-B835-4FB0-B4A4-77E76081DA17}" type="datetimeFigureOut">
               <a:rPr lang="es-ES" smtClean="0"/>
-              <a:t>22/02/2017</a:t>
+              <a:t>27/02/2017</a:t>
             </a:fld>
             <a:endParaRPr lang="es-ES"/>
           </a:p>
@@ -2087,7 +2087,7 @@
           <a:p>
             <a:fld id="{DA45E6A7-B835-4FB0-B4A4-77E76081DA17}" type="datetimeFigureOut">
               <a:rPr lang="es-ES" smtClean="0"/>
-              <a:t>22/02/2017</a:t>
+              <a:t>27/02/2017</a:t>
             </a:fld>
             <a:endParaRPr lang="es-ES"/>
           </a:p>
@@ -2480,7 +2480,7 @@
           <a:p>
             <a:fld id="{DA45E6A7-B835-4FB0-B4A4-77E76081DA17}" type="datetimeFigureOut">
               <a:rPr lang="es-ES" smtClean="0"/>
-              <a:t>22/02/2017</a:t>
+              <a:t>27/02/2017</a:t>
             </a:fld>
             <a:endParaRPr lang="es-ES"/>
           </a:p>
@@ -2650,7 +2650,7 @@
           <a:p>
             <a:fld id="{DA45E6A7-B835-4FB0-B4A4-77E76081DA17}" type="datetimeFigureOut">
               <a:rPr lang="es-ES" smtClean="0"/>
-              <a:t>22/02/2017</a:t>
+              <a:t>27/02/2017</a:t>
             </a:fld>
             <a:endParaRPr lang="es-ES"/>
           </a:p>
@@ -2830,7 +2830,7 @@
           <a:p>
             <a:fld id="{DA45E6A7-B835-4FB0-B4A4-77E76081DA17}" type="datetimeFigureOut">
               <a:rPr lang="es-ES" smtClean="0"/>
-              <a:t>22/02/2017</a:t>
+              <a:t>27/02/2017</a:t>
             </a:fld>
             <a:endParaRPr lang="es-ES"/>
           </a:p>
@@ -3000,7 +3000,7 @@
           <a:p>
             <a:fld id="{DA45E6A7-B835-4FB0-B4A4-77E76081DA17}" type="datetimeFigureOut">
               <a:rPr lang="es-ES" smtClean="0"/>
-              <a:t>22/02/2017</a:t>
+              <a:t>27/02/2017</a:t>
             </a:fld>
             <a:endParaRPr lang="es-ES"/>
           </a:p>
@@ -3247,7 +3247,7 @@
           <a:p>
             <a:fld id="{DA45E6A7-B835-4FB0-B4A4-77E76081DA17}" type="datetimeFigureOut">
               <a:rPr lang="es-ES" smtClean="0"/>
-              <a:t>22/02/2017</a:t>
+              <a:t>27/02/2017</a:t>
             </a:fld>
             <a:endParaRPr lang="es-ES"/>
           </a:p>
@@ -3479,7 +3479,7 @@
           <a:p>
             <a:fld id="{DA45E6A7-B835-4FB0-B4A4-77E76081DA17}" type="datetimeFigureOut">
               <a:rPr lang="es-ES" smtClean="0"/>
-              <a:t>22/02/2017</a:t>
+              <a:t>27/02/2017</a:t>
             </a:fld>
             <a:endParaRPr lang="es-ES"/>
           </a:p>
@@ -3853,7 +3853,7 @@
           <a:p>
             <a:fld id="{DA45E6A7-B835-4FB0-B4A4-77E76081DA17}" type="datetimeFigureOut">
               <a:rPr lang="es-ES" smtClean="0"/>
-              <a:t>22/02/2017</a:t>
+              <a:t>27/02/2017</a:t>
             </a:fld>
             <a:endParaRPr lang="es-ES"/>
           </a:p>
@@ -3976,7 +3976,7 @@
           <a:p>
             <a:fld id="{DA45E6A7-B835-4FB0-B4A4-77E76081DA17}" type="datetimeFigureOut">
               <a:rPr lang="es-ES" smtClean="0"/>
-              <a:t>22/02/2017</a:t>
+              <a:t>27/02/2017</a:t>
             </a:fld>
             <a:endParaRPr lang="es-ES"/>
           </a:p>
@@ -4071,7 +4071,7 @@
           <a:p>
             <a:fld id="{DA45E6A7-B835-4FB0-B4A4-77E76081DA17}" type="datetimeFigureOut">
               <a:rPr lang="es-ES" smtClean="0"/>
-              <a:t>22/02/2017</a:t>
+              <a:t>27/02/2017</a:t>
             </a:fld>
             <a:endParaRPr lang="es-ES"/>
           </a:p>
@@ -4326,7 +4326,7 @@
           <a:p>
             <a:fld id="{DA45E6A7-B835-4FB0-B4A4-77E76081DA17}" type="datetimeFigureOut">
               <a:rPr lang="es-ES" smtClean="0"/>
-              <a:t>22/02/2017</a:t>
+              <a:t>27/02/2017</a:t>
             </a:fld>
             <a:endParaRPr lang="es-ES"/>
           </a:p>
@@ -4631,7 +4631,7 @@
           <a:p>
             <a:fld id="{DA45E6A7-B835-4FB0-B4A4-77E76081DA17}" type="datetimeFigureOut">
               <a:rPr lang="es-ES" smtClean="0"/>
-              <a:t>22/02/2017</a:t>
+              <a:t>27/02/2017</a:t>
             </a:fld>
             <a:endParaRPr lang="es-ES"/>
           </a:p>
@@ -5333,7 +5333,7 @@
           <a:p>
             <a:fld id="{DA45E6A7-B835-4FB0-B4A4-77E76081DA17}" type="datetimeFigureOut">
               <a:rPr lang="es-ES" smtClean="0"/>
-              <a:t>22/02/2017</a:t>
+              <a:t>27/02/2017</a:t>
             </a:fld>
             <a:endParaRPr lang="es-ES"/>
           </a:p>
@@ -5967,7 +5967,9 @@
   <p:cSld>
     <p:bg>
       <p:bgPr>
-        <a:noFill/>
+        <a:solidFill>
+          <a:schemeClr val="bg1"/>
+        </a:solidFill>
         <a:effectLst/>
       </p:bgPr>
     </p:bg>
@@ -6090,14 +6092,14 @@
                 <a:gridCol w="248615">
                   <a:extLst>
                     <a:ext uri="{9D8B030D-6E8A-4147-A177-3AD203B41FA5}">
-                      <a16:colId xmlns:a16="http://schemas.microsoft.com/office/drawing/2014/main" xmlns="" val="150385853"/>
+                      <a16:colId xmlns="" xmlns:a16="http://schemas.microsoft.com/office/drawing/2014/main" val="150385853"/>
                     </a:ext>
                   </a:extLst>
                 </a:gridCol>
                 <a:gridCol w="3922027">
                   <a:extLst>
                     <a:ext uri="{9D8B030D-6E8A-4147-A177-3AD203B41FA5}">
-                      <a16:colId xmlns:a16="http://schemas.microsoft.com/office/drawing/2014/main" xmlns="" val="691847865"/>
+                      <a16:colId xmlns="" xmlns:a16="http://schemas.microsoft.com/office/drawing/2014/main" val="691847865"/>
                     </a:ext>
                   </a:extLst>
                 </a:gridCol>
@@ -6778,7 +6780,7 @@
                 </a:tc>
                 <a:extLst>
                   <a:ext uri="{0D108BD9-81ED-4DB2-BD59-A6C34878D82A}">
-                    <a16:rowId xmlns:a16="http://schemas.microsoft.com/office/drawing/2014/main" xmlns="" val="345890284"/>
+                    <a16:rowId xmlns="" xmlns:a16="http://schemas.microsoft.com/office/drawing/2014/main" val="345890284"/>
                   </a:ext>
                 </a:extLst>
               </a:tr>
@@ -7453,11 +7455,7 @@
             </a:r>
             <a:r>
               <a:rPr lang="es-PE" dirty="0" smtClean="0"/>
-              <a:t> el patrón MVC</a:t>
-            </a:r>
-            <a:r>
-              <a:rPr lang="es-PE" dirty="0" smtClean="0"/>
-              <a:t>.</a:t>
+              <a:t> el patrón MVC.</a:t>
             </a:r>
           </a:p>
           <a:p>
@@ -7913,11 +7911,6 @@
               </a:rPr>
               <a:t>, ésta es la opción recomendada. El objetivo de CDI, entre otros, unificar el modelo de componentes gestionados de JSF con el modelo de componentes </a:t>
             </a:r>
-            <a:endParaRPr lang="es-PE" dirty="0">
-              <a:solidFill>
-                <a:schemeClr val="tx1"/>
-              </a:solidFill>
-            </a:endParaRPr>
           </a:p>
           <a:p>
             <a:pPr marL="0" indent="0">
@@ -8974,7 +8967,7 @@
         <p:spPr>
           <a:xfrm>
             <a:off x="1209068" y="4389119"/>
-            <a:ext cx="8065560" cy="2862322"/>
+            <a:ext cx="8065560" cy="2031325"/>
           </a:xfrm>
           <a:prstGeom prst="rect">
             <a:avLst/>
@@ -9015,17 +9008,12 @@
             </a:br>
             <a:r>
               <a:rPr lang="es-PE" dirty="0"/>
-              <a:t>El hecho en sí, de enviar por parámetros los objetos que son necesarios para que otro objeto funcione, es la inyección de dependencias.</a:t>
-            </a:r>
-            <a:endParaRPr lang="es-ES" dirty="0"/>
-          </a:p>
-          <a:p>
-            <a:endParaRPr lang="es-ES" dirty="0"/>
-          </a:p>
-          <a:p>
-            <a:endParaRPr lang="es-ES" dirty="0"/>
-          </a:p>
-          <a:p>
+              <a:t>El hecho en sí, de enviar por parámetros los objetos que son necesarios para que otro objeto funcione, es la inyección de dependencias</a:t>
+            </a:r>
+            <a:r>
+              <a:rPr lang="es-PE" dirty="0" smtClean="0"/>
+              <a:t>.</a:t>
+            </a:r>
             <a:endParaRPr lang="es-ES" dirty="0"/>
           </a:p>
         </p:txBody>
@@ -9337,7 +9325,9 @@
   <p:cSld>
     <p:bg>
       <p:bgPr>
-        <a:noFill/>
+        <a:solidFill>
+          <a:schemeClr val="bg1"/>
+        </a:solidFill>
         <a:effectLst/>
       </p:bgPr>
     </p:bg>
@@ -9431,14 +9421,14 @@
           <p:nvPr>
             <p:extLst>
               <p:ext uri="{D42A27DB-BD31-4B8C-83A1-F6EECF244321}">
-                <p14:modId xmlns:p14="http://schemas.microsoft.com/office/powerpoint/2010/main" val="1406253501"/>
+                <p14:modId xmlns:p14="http://schemas.microsoft.com/office/powerpoint/2010/main" val="89856770"/>
               </p:ext>
             </p:extLst>
           </p:nvPr>
         </p:nvGraphicFramePr>
         <p:xfrm>
-          <a:off x="5688548" y="2418458"/>
-          <a:ext cx="5010912" cy="3840480"/>
+          <a:off x="5688548" y="2603515"/>
+          <a:ext cx="5010912" cy="3413760"/>
         </p:xfrm>
         <a:graphic>
           <a:graphicData uri="http://schemas.openxmlformats.org/drawingml/2006/table">
@@ -9448,14 +9438,14 @@
                 <a:gridCol w="298704">
                   <a:extLst>
                     <a:ext uri="{9D8B030D-6E8A-4147-A177-3AD203B41FA5}">
-                      <a16:colId xmlns:a16="http://schemas.microsoft.com/office/drawing/2014/main" xmlns="" val="1491649970"/>
+                      <a16:colId xmlns="" xmlns:a16="http://schemas.microsoft.com/office/drawing/2014/main" val="1491649970"/>
                     </a:ext>
                   </a:extLst>
                 </a:gridCol>
                 <a:gridCol w="4712208">
                   <a:extLst>
                     <a:ext uri="{9D8B030D-6E8A-4147-A177-3AD203B41FA5}">
-                      <a16:colId xmlns:a16="http://schemas.microsoft.com/office/drawing/2014/main" xmlns="" val="2109604969"/>
+                      <a16:colId xmlns="" xmlns:a16="http://schemas.microsoft.com/office/drawing/2014/main" val="2109604969"/>
                     </a:ext>
                   </a:extLst>
                 </a:gridCol>
@@ -9468,7 +9458,7 @@
                     <a:p>
                       <a:pPr algn="r" rtl="0" fontAlgn="base"/>
                       <a:r>
-                        <a:rPr lang="es-PE" b="0" i="0">
+                        <a:rPr lang="es-PE" sz="1600" b="0" i="0" dirty="0">
                           <a:solidFill>
                             <a:srgbClr val="AFAFAF"/>
                           </a:solidFill>
@@ -9481,7 +9471,7 @@
                     <a:p>
                       <a:pPr algn="r" rtl="0" fontAlgn="base"/>
                       <a:r>
-                        <a:rPr lang="es-PE" b="0" i="0">
+                        <a:rPr lang="es-PE" sz="1600" b="0" i="0" dirty="0">
                           <a:solidFill>
                             <a:srgbClr val="AFAFAF"/>
                           </a:solidFill>
@@ -9494,7 +9484,7 @@
                     <a:p>
                       <a:pPr algn="r" rtl="0" fontAlgn="base"/>
                       <a:r>
-                        <a:rPr lang="es-PE" b="0" i="0">
+                        <a:rPr lang="es-PE" sz="1600" b="0" i="0" dirty="0">
                           <a:solidFill>
                             <a:srgbClr val="AFAFAF"/>
                           </a:solidFill>
@@ -9507,7 +9497,7 @@
                     <a:p>
                       <a:pPr algn="r" rtl="0" fontAlgn="base"/>
                       <a:r>
-                        <a:rPr lang="es-PE" b="0" i="0">
+                        <a:rPr lang="es-PE" sz="1600" b="0" i="0" dirty="0">
                           <a:solidFill>
                             <a:srgbClr val="AFAFAF"/>
                           </a:solidFill>
@@ -9520,7 +9510,7 @@
                     <a:p>
                       <a:pPr algn="r" rtl="0" fontAlgn="base"/>
                       <a:r>
-                        <a:rPr lang="es-PE" b="0" i="0">
+                        <a:rPr lang="es-PE" sz="1600" b="0" i="0" dirty="0">
                           <a:solidFill>
                             <a:srgbClr val="AFAFAF"/>
                           </a:solidFill>
@@ -9533,7 +9523,7 @@
                     <a:p>
                       <a:pPr algn="r" rtl="0" fontAlgn="base"/>
                       <a:r>
-                        <a:rPr lang="es-PE" b="0" i="0">
+                        <a:rPr lang="es-PE" sz="1600" b="0" i="0" dirty="0">
                           <a:solidFill>
                             <a:srgbClr val="AFAFAF"/>
                           </a:solidFill>
@@ -9546,7 +9536,7 @@
                     <a:p>
                       <a:pPr algn="r" rtl="0" fontAlgn="base"/>
                       <a:r>
-                        <a:rPr lang="es-PE" b="0" i="0">
+                        <a:rPr lang="es-PE" sz="1600" b="0" i="0" dirty="0">
                           <a:solidFill>
                             <a:srgbClr val="AFAFAF"/>
                           </a:solidFill>
@@ -9559,7 +9549,7 @@
                     <a:p>
                       <a:pPr algn="r" rtl="0" fontAlgn="base"/>
                       <a:r>
-                        <a:rPr lang="es-PE" b="0" i="0">
+                        <a:rPr lang="es-PE" sz="1600" b="0" i="0" dirty="0">
                           <a:solidFill>
                             <a:srgbClr val="AFAFAF"/>
                           </a:solidFill>
@@ -9572,7 +9562,7 @@
                     <a:p>
                       <a:pPr algn="r" rtl="0" fontAlgn="base"/>
                       <a:r>
-                        <a:rPr lang="es-PE" b="0" i="0">
+                        <a:rPr lang="es-PE" sz="1600" b="0" i="0" dirty="0">
                           <a:solidFill>
                             <a:srgbClr val="AFAFAF"/>
                           </a:solidFill>
@@ -9585,7 +9575,7 @@
                     <a:p>
                       <a:pPr algn="r" rtl="0" fontAlgn="base"/>
                       <a:r>
-                        <a:rPr lang="es-PE" b="0" i="0">
+                        <a:rPr lang="es-PE" sz="1600" b="0" i="0" dirty="0">
                           <a:solidFill>
                             <a:srgbClr val="AFAFAF"/>
                           </a:solidFill>
@@ -9598,7 +9588,7 @@
                     <a:p>
                       <a:pPr algn="r" rtl="0" fontAlgn="base"/>
                       <a:r>
-                        <a:rPr lang="es-PE" b="0" i="0">
+                        <a:rPr lang="es-PE" sz="1600" b="0" i="0" dirty="0">
                           <a:solidFill>
                             <a:srgbClr val="AFAFAF"/>
                           </a:solidFill>
@@ -9611,7 +9601,7 @@
                     <a:p>
                       <a:pPr algn="r" rtl="0" fontAlgn="base"/>
                       <a:r>
-                        <a:rPr lang="es-PE" b="0" i="0">
+                        <a:rPr lang="es-PE" sz="1600" b="0" i="0" dirty="0">
                           <a:solidFill>
                             <a:srgbClr val="AFAFAF"/>
                           </a:solidFill>
@@ -9624,7 +9614,7 @@
                     <a:p>
                       <a:pPr algn="r" rtl="0" fontAlgn="base"/>
                       <a:r>
-                        <a:rPr lang="es-PE" b="0" i="0">
+                        <a:rPr lang="es-PE" sz="1600" b="0" i="0" dirty="0">
                           <a:solidFill>
                             <a:srgbClr val="AFAFAF"/>
                           </a:solidFill>
@@ -9637,7 +9627,7 @@
                     <a:p>
                       <a:pPr algn="r" rtl="0" fontAlgn="base"/>
                       <a:r>
-                        <a:rPr lang="es-PE" b="0" i="0">
+                        <a:rPr lang="es-PE" sz="1600" b="0" i="0" dirty="0">
                           <a:solidFill>
                             <a:srgbClr val="AFAFAF"/>
                           </a:solidFill>
@@ -9670,42 +9660,42 @@
                     <a:p>
                       <a:pPr algn="l" rtl="0" fontAlgn="base"/>
                       <a:r>
-                        <a:rPr lang="es-PE" b="0" i="0" dirty="0" err="1">
+                        <a:rPr lang="es-PE" sz="1600" b="0" i="0" dirty="0" err="1">
                           <a:effectLst/>
                           <a:latin typeface="Monaco"/>
                         </a:rPr>
                         <a:t>public</a:t>
                       </a:r>
                       <a:r>
-                        <a:rPr lang="es-PE" b="0" i="0" dirty="0">
+                        <a:rPr lang="es-PE" sz="1600" b="0" i="0" dirty="0">
                           <a:effectLst/>
                           <a:latin typeface="Monaco"/>
                         </a:rPr>
                         <a:t> </a:t>
                       </a:r>
                       <a:r>
-                        <a:rPr lang="es-PE" b="0" i="0" dirty="0" err="1">
+                        <a:rPr lang="es-PE" sz="1600" b="0" i="0" dirty="0" err="1">
                           <a:effectLst/>
                           <a:latin typeface="Monaco"/>
                         </a:rPr>
                         <a:t>class</a:t>
                       </a:r>
                       <a:r>
-                        <a:rPr lang="es-PE" b="0" i="0" dirty="0">
+                        <a:rPr lang="es-PE" sz="1600" b="0" i="0" dirty="0">
                           <a:effectLst/>
                           <a:latin typeface="Monaco"/>
                         </a:rPr>
                         <a:t> Schumacher </a:t>
                       </a:r>
                       <a:r>
-                        <a:rPr lang="es-PE" b="0" i="0" dirty="0" err="1">
+                        <a:rPr lang="es-PE" sz="1600" b="0" i="0" dirty="0" err="1">
                           <a:effectLst/>
                           <a:latin typeface="Monaco"/>
                         </a:rPr>
                         <a:t>implements</a:t>
                       </a:r>
                       <a:r>
-                        <a:rPr lang="es-PE" b="0" i="0" dirty="0">
+                        <a:rPr lang="es-PE" sz="1600" b="0" i="0" dirty="0">
                           <a:effectLst/>
                           <a:latin typeface="Monaco"/>
                         </a:rPr>
@@ -9715,7 +9705,7 @@
                     <a:p>
                       <a:pPr algn="l" rtl="0" fontAlgn="base"/>
                       <a:r>
-                        <a:rPr lang="es-PE" b="0" i="0" dirty="0">
+                        <a:rPr lang="es-PE" sz="1600" b="0" i="0" dirty="0">
                           <a:effectLst/>
                           <a:latin typeface="Monaco"/>
                         </a:rPr>
@@ -9725,49 +9715,49 @@
                     <a:p>
                       <a:pPr algn="l" rtl="0" fontAlgn="base"/>
                       <a:r>
-                        <a:rPr lang="es-PE" b="0" i="0" dirty="0">
+                        <a:rPr lang="es-PE" sz="1600" b="0" i="0" dirty="0">
                           <a:effectLst/>
                           <a:latin typeface="Monaco"/>
                         </a:rPr>
                         <a:t>   </a:t>
                       </a:r>
                       <a:r>
-                        <a:rPr lang="es-PE" b="0" i="0" dirty="0" err="1">
+                        <a:rPr lang="es-PE" sz="1600" b="0" i="0" dirty="0" err="1">
                           <a:effectLst/>
                           <a:latin typeface="Monaco"/>
                         </a:rPr>
                         <a:t>private</a:t>
                       </a:r>
                       <a:r>
-                        <a:rPr lang="es-PE" b="0" i="0" dirty="0">
+                        <a:rPr lang="es-PE" sz="1600" b="0" i="0" dirty="0">
                           <a:effectLst/>
                           <a:latin typeface="Monaco"/>
                         </a:rPr>
                         <a:t> </a:t>
                       </a:r>
                       <a:r>
-                        <a:rPr lang="es-PE" b="0" i="0" dirty="0" err="1">
+                        <a:rPr lang="es-PE" sz="1600" b="0" i="0" dirty="0" err="1">
                           <a:effectLst/>
                           <a:latin typeface="Monaco"/>
                         </a:rPr>
                         <a:t>Vehiculo</a:t>
                       </a:r>
                       <a:r>
-                        <a:rPr lang="es-PE" b="0" i="0" dirty="0">
+                        <a:rPr lang="es-PE" sz="1600" b="0" i="0" dirty="0">
                           <a:effectLst/>
                           <a:latin typeface="Monaco"/>
                         </a:rPr>
                         <a:t> </a:t>
                       </a:r>
                       <a:r>
-                        <a:rPr lang="es-PE" b="0" i="0" dirty="0" err="1">
+                        <a:rPr lang="es-PE" sz="1600" b="0" i="0" dirty="0" err="1">
                           <a:effectLst/>
                           <a:latin typeface="Monaco"/>
                         </a:rPr>
                         <a:t>vehiculo</a:t>
                       </a:r>
                       <a:r>
-                        <a:rPr lang="es-PE" b="0" i="0" dirty="0">
+                        <a:rPr lang="es-PE" sz="1600" b="0" i="0" dirty="0">
                           <a:effectLst/>
                           <a:latin typeface="Monaco"/>
                         </a:rPr>
@@ -9777,7 +9767,7 @@
                     <a:p>
                       <a:pPr algn="l" rtl="0" fontAlgn="base"/>
                       <a:r>
-                        <a:rPr lang="es-PE" b="0" i="0" dirty="0">
+                        <a:rPr lang="es-PE" sz="1600" b="0" i="0" dirty="0">
                           <a:effectLst/>
                           <a:latin typeface="Monaco"/>
                         </a:rPr>
@@ -9787,35 +9777,35 @@
                     <a:p>
                       <a:pPr algn="l" rtl="0" fontAlgn="base"/>
                       <a:r>
-                        <a:rPr lang="es-PE" b="0" i="0" dirty="0">
+                        <a:rPr lang="es-PE" sz="1600" b="0" i="0" dirty="0">
                           <a:effectLst/>
                           <a:latin typeface="Monaco"/>
                         </a:rPr>
                         <a:t>   </a:t>
                       </a:r>
                       <a:r>
-                        <a:rPr lang="es-PE" b="0" i="0" dirty="0" err="1">
+                        <a:rPr lang="es-PE" sz="1600" b="0" i="0" dirty="0" err="1">
                           <a:effectLst/>
                           <a:latin typeface="Monaco"/>
                         </a:rPr>
                         <a:t>public</a:t>
                       </a:r>
                       <a:r>
-                        <a:rPr lang="es-PE" b="0" i="0" dirty="0">
+                        <a:rPr lang="es-PE" sz="1600" b="0" i="0" dirty="0">
                           <a:effectLst/>
                           <a:latin typeface="Monaco"/>
                         </a:rPr>
                         <a:t> Persona( </a:t>
                       </a:r>
                       <a:r>
-                        <a:rPr lang="es-PE" b="0" i="0" dirty="0" err="1">
+                        <a:rPr lang="es-PE" sz="1600" b="0" i="0" dirty="0" err="1">
                           <a:effectLst/>
                           <a:latin typeface="Monaco"/>
                         </a:rPr>
                         <a:t>Vehiculo</a:t>
                       </a:r>
                       <a:r>
-                        <a:rPr lang="es-PE" b="0" i="0" dirty="0">
+                        <a:rPr lang="es-PE" sz="1600" b="0" i="0" dirty="0">
                           <a:effectLst/>
                           <a:latin typeface="Monaco"/>
                         </a:rPr>
@@ -9825,21 +9815,21 @@
                     <a:p>
                       <a:pPr algn="l" rtl="0" fontAlgn="base"/>
                       <a:r>
-                        <a:rPr lang="es-PE" b="0" i="0" dirty="0">
+                        <a:rPr lang="es-PE" sz="1600" b="0" i="0" dirty="0">
                           <a:effectLst/>
                           <a:latin typeface="Monaco"/>
                         </a:rPr>
                         <a:t>      </a:t>
                       </a:r>
                       <a:r>
-                        <a:rPr lang="es-PE" b="0" i="0" dirty="0" err="1">
+                        <a:rPr lang="es-PE" sz="1600" b="0" i="0" dirty="0" err="1">
                           <a:effectLst/>
                           <a:latin typeface="Monaco"/>
                         </a:rPr>
                         <a:t>vehiculo</a:t>
                       </a:r>
                       <a:r>
-                        <a:rPr lang="es-PE" b="0" i="0" dirty="0">
+                        <a:rPr lang="es-PE" sz="1600" b="0" i="0" dirty="0">
                           <a:effectLst/>
                           <a:latin typeface="Monaco"/>
                         </a:rPr>
@@ -9849,7 +9839,7 @@
                     <a:p>
                       <a:pPr algn="l" rtl="0" fontAlgn="base"/>
                       <a:r>
-                        <a:rPr lang="es-PE" b="0" i="0" dirty="0">
+                        <a:rPr lang="es-PE" sz="1600" b="0" i="0" dirty="0">
                           <a:effectLst/>
                           <a:latin typeface="Monaco"/>
                         </a:rPr>
@@ -9859,7 +9849,7 @@
                     <a:p>
                       <a:pPr algn="l" rtl="0" fontAlgn="base"/>
                       <a:r>
-                        <a:rPr lang="es-PE" b="0" i="0" dirty="0">
+                        <a:rPr lang="es-PE" sz="1600" b="0" i="0" dirty="0">
                           <a:effectLst/>
                           <a:latin typeface="Monaco"/>
                         </a:rPr>
@@ -9869,20 +9859,20 @@
                     <a:p>
                       <a:pPr algn="l" rtl="0" fontAlgn="base"/>
                       <a:r>
-                        <a:rPr lang="es-PE" b="0" i="0" dirty="0">
+                        <a:rPr lang="es-PE" sz="1600" b="0" i="0" dirty="0">
                           <a:effectLst/>
                           <a:latin typeface="Monaco"/>
                         </a:rPr>
                         <a:t>   @</a:t>
                       </a:r>
                       <a:r>
-                        <a:rPr lang="es-PE" b="0" i="0" dirty="0" err="1">
+                        <a:rPr lang="es-PE" sz="1600" b="0" i="0" dirty="0" err="1">
                           <a:effectLst/>
                           <a:latin typeface="Monaco"/>
                         </a:rPr>
                         <a:t>Override</a:t>
                       </a:r>
-                      <a:endParaRPr lang="es-PE" b="0" i="0" dirty="0">
+                      <a:endParaRPr lang="es-PE" sz="1600" b="0" i="0" dirty="0">
                         <a:effectLst/>
                         <a:latin typeface="Monaco"/>
                       </a:endParaRPr>
@@ -9890,7 +9880,7 @@
                     <a:p>
                       <a:pPr algn="l" rtl="0" fontAlgn="base"/>
                       <a:r>
-                        <a:rPr lang="es-PE" b="0" i="0" dirty="0">
+                        <a:rPr lang="es-PE" sz="1600" b="0" i="0" dirty="0">
                           <a:effectLst/>
                           <a:latin typeface="Monaco"/>
                         </a:rPr>
@@ -9900,35 +9890,35 @@
                     <a:p>
                       <a:pPr algn="l" rtl="0" fontAlgn="base"/>
                       <a:r>
-                        <a:rPr lang="es-PE" b="0" i="0" dirty="0">
+                        <a:rPr lang="es-PE" sz="1600" b="0" i="0" dirty="0">
                           <a:effectLst/>
                           <a:latin typeface="Monaco"/>
                         </a:rPr>
                         <a:t>   </a:t>
                       </a:r>
                       <a:r>
-                        <a:rPr lang="es-PE" b="0" i="0" dirty="0" err="1">
+                        <a:rPr lang="es-PE" sz="1600" b="0" i="0" dirty="0" err="1">
                           <a:effectLst/>
                           <a:latin typeface="Monaco"/>
                         </a:rPr>
                         <a:t>public</a:t>
                       </a:r>
                       <a:r>
-                        <a:rPr lang="es-PE" b="0" i="0" dirty="0">
+                        <a:rPr lang="es-PE" sz="1600" b="0" i="0" dirty="0">
                           <a:effectLst/>
                           <a:latin typeface="Monaco"/>
                         </a:rPr>
                         <a:t> </a:t>
                       </a:r>
                       <a:r>
-                        <a:rPr lang="es-PE" b="0" i="0" dirty="0" err="1">
+                        <a:rPr lang="es-PE" sz="1600" b="0" i="0" dirty="0" err="1">
                           <a:effectLst/>
                           <a:latin typeface="Monaco"/>
                         </a:rPr>
                         <a:t>void</a:t>
                       </a:r>
                       <a:r>
-                        <a:rPr lang="es-PE" b="0" i="0" dirty="0">
+                        <a:rPr lang="es-PE" sz="1600" b="0" i="0" dirty="0">
                           <a:effectLst/>
                           <a:latin typeface="Monaco"/>
                         </a:rPr>
@@ -9938,21 +9928,21 @@
                     <a:p>
                       <a:pPr algn="l" rtl="0" fontAlgn="base"/>
                       <a:r>
-                        <a:rPr lang="es-PE" b="0" i="0" dirty="0">
+                        <a:rPr lang="es-PE" sz="1600" b="0" i="0" dirty="0">
                           <a:effectLst/>
                           <a:latin typeface="Monaco"/>
                         </a:rPr>
                         <a:t>      </a:t>
                       </a:r>
                       <a:r>
-                        <a:rPr lang="es-PE" b="0" i="0" dirty="0" err="1">
+                        <a:rPr lang="es-PE" sz="1600" b="0" i="0" dirty="0" err="1">
                           <a:effectLst/>
                           <a:latin typeface="Monaco"/>
                         </a:rPr>
                         <a:t>vehiculo.conducir</a:t>
                       </a:r>
                       <a:r>
-                        <a:rPr lang="es-PE" b="0" i="0" dirty="0">
+                        <a:rPr lang="es-PE" sz="1600" b="0" i="0" dirty="0">
                           <a:effectLst/>
                           <a:latin typeface="Monaco"/>
                         </a:rPr>
@@ -9962,7 +9952,7 @@
                     <a:p>
                       <a:pPr algn="l" rtl="0" fontAlgn="base"/>
                       <a:r>
-                        <a:rPr lang="es-PE" b="0" i="0" dirty="0">
+                        <a:rPr lang="es-PE" sz="1600" b="0" i="0" dirty="0">
                           <a:effectLst/>
                           <a:latin typeface="Monaco"/>
                         </a:rPr>
@@ -9972,7 +9962,7 @@
                     <a:p>
                       <a:pPr algn="l" rtl="0" fontAlgn="base"/>
                       <a:r>
-                        <a:rPr lang="es-PE" b="0" i="0" dirty="0">
+                        <a:rPr lang="es-PE" sz="1600" b="0" i="0" dirty="0">
                           <a:effectLst/>
                           <a:latin typeface="Monaco"/>
                         </a:rPr>
@@ -9997,7 +9987,7 @@
                 </a:tc>
                 <a:extLst>
                   <a:ext uri="{0D108BD9-81ED-4DB2-BD59-A6C34878D82A}">
-                    <a16:rowId xmlns:a16="http://schemas.microsoft.com/office/drawing/2014/main" xmlns="" val="2855887556"/>
+                    <a16:rowId xmlns="" xmlns:a16="http://schemas.microsoft.com/office/drawing/2014/main" val="2855887556"/>
                   </a:ext>
                 </a:extLst>
               </a:tr>
@@ -10014,14 +10004,14 @@
           <p:nvPr>
             <p:extLst>
               <p:ext uri="{D42A27DB-BD31-4B8C-83A1-F6EECF244321}">
-                <p14:modId xmlns:p14="http://schemas.microsoft.com/office/powerpoint/2010/main" val="4255320908"/>
+                <p14:modId xmlns:p14="http://schemas.microsoft.com/office/powerpoint/2010/main" val="100047075"/>
               </p:ext>
             </p:extLst>
           </p:nvPr>
         </p:nvGraphicFramePr>
         <p:xfrm>
-          <a:off x="360410" y="2418458"/>
-          <a:ext cx="5010912" cy="3840480"/>
+          <a:off x="436610" y="2603515"/>
+          <a:ext cx="5010912" cy="3413760"/>
         </p:xfrm>
         <a:graphic>
           <a:graphicData uri="http://schemas.openxmlformats.org/drawingml/2006/table">
@@ -10031,14 +10021,14 @@
                 <a:gridCol w="298704">
                   <a:extLst>
                     <a:ext uri="{9D8B030D-6E8A-4147-A177-3AD203B41FA5}">
-                      <a16:colId xmlns:a16="http://schemas.microsoft.com/office/drawing/2014/main" xmlns="" val="1379506089"/>
+                      <a16:colId xmlns="" xmlns:a16="http://schemas.microsoft.com/office/drawing/2014/main" val="1379506089"/>
                     </a:ext>
                   </a:extLst>
                 </a:gridCol>
                 <a:gridCol w="4712208">
                   <a:extLst>
                     <a:ext uri="{9D8B030D-6E8A-4147-A177-3AD203B41FA5}">
-                      <a16:colId xmlns:a16="http://schemas.microsoft.com/office/drawing/2014/main" xmlns="" val="3856958055"/>
+                      <a16:colId xmlns="" xmlns:a16="http://schemas.microsoft.com/office/drawing/2014/main" val="3856958055"/>
                     </a:ext>
                   </a:extLst>
                 </a:gridCol>
@@ -10051,7 +10041,7 @@
                     <a:p>
                       <a:pPr algn="r" rtl="0" fontAlgn="base"/>
                       <a:r>
-                        <a:rPr lang="es-PE" b="0" i="0">
+                        <a:rPr lang="es-PE" sz="1600" b="0" i="0" dirty="0">
                           <a:solidFill>
                             <a:srgbClr val="AFAFAF"/>
                           </a:solidFill>
@@ -10064,7 +10054,7 @@
                     <a:p>
                       <a:pPr algn="r" rtl="0" fontAlgn="base"/>
                       <a:r>
-                        <a:rPr lang="es-PE" b="0" i="0">
+                        <a:rPr lang="es-PE" sz="1600" b="0" i="0" dirty="0">
                           <a:solidFill>
                             <a:srgbClr val="AFAFAF"/>
                           </a:solidFill>
@@ -10077,7 +10067,7 @@
                     <a:p>
                       <a:pPr algn="r" rtl="0" fontAlgn="base"/>
                       <a:r>
-                        <a:rPr lang="es-PE" b="0" i="0">
+                        <a:rPr lang="es-PE" sz="1600" b="0" i="0" dirty="0">
                           <a:solidFill>
                             <a:srgbClr val="AFAFAF"/>
                           </a:solidFill>
@@ -10090,7 +10080,7 @@
                     <a:p>
                       <a:pPr algn="r" rtl="0" fontAlgn="base"/>
                       <a:r>
-                        <a:rPr lang="es-PE" b="0" i="0">
+                        <a:rPr lang="es-PE" sz="1600" b="0" i="0" dirty="0">
                           <a:solidFill>
                             <a:srgbClr val="AFAFAF"/>
                           </a:solidFill>
@@ -10103,7 +10093,7 @@
                     <a:p>
                       <a:pPr algn="r" rtl="0" fontAlgn="base"/>
                       <a:r>
-                        <a:rPr lang="es-PE" b="0" i="0">
+                        <a:rPr lang="es-PE" sz="1600" b="0" i="0" dirty="0">
                           <a:solidFill>
                             <a:srgbClr val="AFAFAF"/>
                           </a:solidFill>
@@ -10116,7 +10106,7 @@
                     <a:p>
                       <a:pPr algn="r" rtl="0" fontAlgn="base"/>
                       <a:r>
-                        <a:rPr lang="es-PE" b="0" i="0">
+                        <a:rPr lang="es-PE" sz="1600" b="0" i="0" dirty="0">
                           <a:solidFill>
                             <a:srgbClr val="AFAFAF"/>
                           </a:solidFill>
@@ -10129,7 +10119,7 @@
                     <a:p>
                       <a:pPr algn="r" rtl="0" fontAlgn="base"/>
                       <a:r>
-                        <a:rPr lang="es-PE" b="0" i="0">
+                        <a:rPr lang="es-PE" sz="1600" b="0" i="0" dirty="0">
                           <a:solidFill>
                             <a:srgbClr val="AFAFAF"/>
                           </a:solidFill>
@@ -10142,7 +10132,7 @@
                     <a:p>
                       <a:pPr algn="r" rtl="0" fontAlgn="base"/>
                       <a:r>
-                        <a:rPr lang="es-PE" b="0" i="0">
+                        <a:rPr lang="es-PE" sz="1600" b="0" i="0" dirty="0">
                           <a:solidFill>
                             <a:srgbClr val="AFAFAF"/>
                           </a:solidFill>
@@ -10155,7 +10145,7 @@
                     <a:p>
                       <a:pPr algn="r" rtl="0" fontAlgn="base"/>
                       <a:r>
-                        <a:rPr lang="es-PE" b="0" i="0">
+                        <a:rPr lang="es-PE" sz="1600" b="0" i="0" dirty="0">
                           <a:solidFill>
                             <a:srgbClr val="AFAFAF"/>
                           </a:solidFill>
@@ -10168,7 +10158,7 @@
                     <a:p>
                       <a:pPr algn="r" rtl="0" fontAlgn="base"/>
                       <a:r>
-                        <a:rPr lang="es-PE" b="0" i="0">
+                        <a:rPr lang="es-PE" sz="1600" b="0" i="0" dirty="0">
                           <a:solidFill>
                             <a:srgbClr val="AFAFAF"/>
                           </a:solidFill>
@@ -10181,7 +10171,7 @@
                     <a:p>
                       <a:pPr algn="r" rtl="0" fontAlgn="base"/>
                       <a:r>
-                        <a:rPr lang="es-PE" b="0" i="0">
+                        <a:rPr lang="es-PE" sz="1600" b="0" i="0" dirty="0">
                           <a:solidFill>
                             <a:srgbClr val="AFAFAF"/>
                           </a:solidFill>
@@ -10194,7 +10184,7 @@
                     <a:p>
                       <a:pPr algn="r" rtl="0" fontAlgn="base"/>
                       <a:r>
-                        <a:rPr lang="es-PE" b="0" i="0">
+                        <a:rPr lang="es-PE" sz="1600" b="0" i="0" dirty="0">
                           <a:solidFill>
                             <a:srgbClr val="AFAFAF"/>
                           </a:solidFill>
@@ -10207,7 +10197,7 @@
                     <a:p>
                       <a:pPr algn="r" rtl="0" fontAlgn="base"/>
                       <a:r>
-                        <a:rPr lang="es-PE" b="0" i="0">
+                        <a:rPr lang="es-PE" sz="1600" b="0" i="0" dirty="0">
                           <a:solidFill>
                             <a:srgbClr val="AFAFAF"/>
                           </a:solidFill>
@@ -10220,7 +10210,7 @@
                     <a:p>
                       <a:pPr algn="r" rtl="0" fontAlgn="base"/>
                       <a:r>
-                        <a:rPr lang="es-PE" b="0" i="0">
+                        <a:rPr lang="es-PE" sz="1600" b="0" i="0" dirty="0">
                           <a:solidFill>
                             <a:srgbClr val="AFAFAF"/>
                           </a:solidFill>
@@ -10253,42 +10243,42 @@
                     <a:p>
                       <a:pPr algn="l" rtl="0" fontAlgn="base"/>
                       <a:r>
-                        <a:rPr lang="es-PE" b="0" i="0" dirty="0" err="1">
+                        <a:rPr lang="es-PE" sz="1600" b="0" i="0" dirty="0" err="1">
                           <a:effectLst/>
                           <a:latin typeface="Monaco"/>
                         </a:rPr>
                         <a:t>public</a:t>
                       </a:r>
                       <a:r>
-                        <a:rPr lang="es-PE" b="0" i="0" dirty="0">
+                        <a:rPr lang="es-PE" sz="1600" b="0" i="0" dirty="0">
                           <a:effectLst/>
                           <a:latin typeface="Monaco"/>
                         </a:rPr>
                         <a:t> </a:t>
                       </a:r>
                       <a:r>
-                        <a:rPr lang="es-PE" b="0" i="0" dirty="0" err="1">
+                        <a:rPr lang="es-PE" sz="1600" b="0" i="0" dirty="0" err="1">
                           <a:effectLst/>
                           <a:latin typeface="Monaco"/>
                         </a:rPr>
                         <a:t>class</a:t>
                       </a:r>
                       <a:r>
-                        <a:rPr lang="es-PE" b="0" i="0" dirty="0">
+                        <a:rPr lang="es-PE" sz="1600" b="0" i="0" dirty="0">
                           <a:effectLst/>
                           <a:latin typeface="Monaco"/>
                         </a:rPr>
                         <a:t> Schumacher </a:t>
                       </a:r>
                       <a:r>
-                        <a:rPr lang="es-PE" b="0" i="0" dirty="0" err="1">
+                        <a:rPr lang="es-PE" sz="1600" b="0" i="0" dirty="0" err="1">
                           <a:effectLst/>
                           <a:latin typeface="Monaco"/>
                         </a:rPr>
                         <a:t>implements</a:t>
                       </a:r>
                       <a:r>
-                        <a:rPr lang="es-PE" b="0" i="0" dirty="0">
+                        <a:rPr lang="es-PE" sz="1600" b="0" i="0" dirty="0">
                           <a:effectLst/>
                           <a:latin typeface="Monaco"/>
                         </a:rPr>
@@ -10298,7 +10288,7 @@
                     <a:p>
                       <a:pPr algn="l" rtl="0" fontAlgn="base"/>
                       <a:r>
-                        <a:rPr lang="es-PE" b="0" i="0" dirty="0">
+                        <a:rPr lang="es-PE" sz="1600" b="0" i="0" dirty="0">
                           <a:effectLst/>
                           <a:latin typeface="Monaco"/>
                         </a:rPr>
@@ -10308,49 +10298,49 @@
                     <a:p>
                       <a:pPr algn="l" rtl="0" fontAlgn="base"/>
                       <a:r>
-                        <a:rPr lang="es-PE" b="0" i="0" dirty="0">
+                        <a:rPr lang="es-PE" sz="1600" b="0" i="0" dirty="0">
                           <a:effectLst/>
                           <a:latin typeface="Monaco"/>
                         </a:rPr>
                         <a:t>   </a:t>
                       </a:r>
                       <a:r>
-                        <a:rPr lang="es-PE" b="0" i="0" dirty="0" err="1">
+                        <a:rPr lang="es-PE" sz="1600" b="0" i="0" dirty="0" err="1">
                           <a:effectLst/>
                           <a:latin typeface="Monaco"/>
                         </a:rPr>
                         <a:t>private</a:t>
                       </a:r>
                       <a:r>
-                        <a:rPr lang="es-PE" b="0" i="0" dirty="0">
+                        <a:rPr lang="es-PE" sz="1600" b="0" i="0" dirty="0">
                           <a:effectLst/>
                           <a:latin typeface="Monaco"/>
                         </a:rPr>
                         <a:t> </a:t>
                       </a:r>
                       <a:r>
-                        <a:rPr lang="es-PE" b="0" i="0" dirty="0" err="1">
+                        <a:rPr lang="es-PE" sz="1600" b="0" i="0" dirty="0" err="1">
                           <a:effectLst/>
                           <a:latin typeface="Monaco"/>
                         </a:rPr>
                         <a:t>Vehiculo</a:t>
                       </a:r>
                       <a:r>
-                        <a:rPr lang="es-PE" b="0" i="0" dirty="0">
+                        <a:rPr lang="es-PE" sz="1600" b="0" i="0" dirty="0">
                           <a:effectLst/>
                           <a:latin typeface="Monaco"/>
                         </a:rPr>
                         <a:t> </a:t>
                       </a:r>
                       <a:r>
-                        <a:rPr lang="es-PE" b="0" i="0" dirty="0" err="1">
+                        <a:rPr lang="es-PE" sz="1600" b="0" i="0" dirty="0" err="1">
                           <a:effectLst/>
                           <a:latin typeface="Monaco"/>
                         </a:rPr>
                         <a:t>vehiculo</a:t>
                       </a:r>
                       <a:r>
-                        <a:rPr lang="es-PE" b="0" i="0" dirty="0">
+                        <a:rPr lang="es-PE" sz="1600" b="0" i="0" dirty="0">
                           <a:effectLst/>
                           <a:latin typeface="Monaco"/>
                         </a:rPr>
@@ -10360,7 +10350,7 @@
                     <a:p>
                       <a:pPr algn="l" rtl="0" fontAlgn="base"/>
                       <a:r>
-                        <a:rPr lang="es-PE" b="0" i="0" dirty="0">
+                        <a:rPr lang="es-PE" sz="1600" b="0" i="0" dirty="0">
                           <a:effectLst/>
                           <a:latin typeface="Monaco"/>
                         </a:rPr>
@@ -10370,21 +10360,21 @@
                     <a:p>
                       <a:pPr algn="l" rtl="0" fontAlgn="base"/>
                       <a:r>
-                        <a:rPr lang="es-PE" b="0" i="0" dirty="0">
+                        <a:rPr lang="es-PE" sz="1600" b="0" i="0" dirty="0">
                           <a:effectLst/>
                           <a:latin typeface="Monaco"/>
                         </a:rPr>
                         <a:t>   </a:t>
                       </a:r>
                       <a:r>
-                        <a:rPr lang="es-PE" b="0" i="0" dirty="0" err="1">
+                        <a:rPr lang="es-PE" sz="1600" b="0" i="0" dirty="0" err="1">
                           <a:effectLst/>
                           <a:latin typeface="Monaco"/>
                         </a:rPr>
                         <a:t>public</a:t>
                       </a:r>
                       <a:r>
-                        <a:rPr lang="es-PE" b="0" i="0" dirty="0">
+                        <a:rPr lang="es-PE" sz="1600" b="0" i="0" dirty="0">
                           <a:effectLst/>
                           <a:latin typeface="Monaco"/>
                         </a:rPr>
@@ -10394,21 +10384,21 @@
                     <a:p>
                       <a:pPr algn="l" rtl="0" fontAlgn="base"/>
                       <a:r>
-                        <a:rPr lang="es-PE" b="0" i="0" dirty="0">
+                        <a:rPr lang="es-PE" sz="1600" b="0" i="0" dirty="0">
                           <a:effectLst/>
                           <a:latin typeface="Monaco"/>
                         </a:rPr>
                         <a:t>      </a:t>
                       </a:r>
                       <a:r>
-                        <a:rPr lang="es-PE" b="0" i="0" dirty="0" err="1">
+                        <a:rPr lang="es-PE" sz="1600" b="0" i="0" dirty="0" err="1">
                           <a:effectLst/>
                           <a:latin typeface="Monaco"/>
                         </a:rPr>
                         <a:t>vehiculo</a:t>
                       </a:r>
                       <a:r>
-                        <a:rPr lang="es-PE" b="0" i="0" dirty="0">
+                        <a:rPr lang="es-PE" sz="1600" b="0" i="0" dirty="0">
                           <a:effectLst/>
                           <a:latin typeface="Monaco"/>
                         </a:rPr>
@@ -10418,7 +10408,7 @@
                     <a:p>
                       <a:pPr algn="l" rtl="0" fontAlgn="base"/>
                       <a:r>
-                        <a:rPr lang="es-PE" b="0" i="0" dirty="0">
+                        <a:rPr lang="es-PE" sz="1600" b="0" i="0" dirty="0">
                           <a:effectLst/>
                           <a:latin typeface="Monaco"/>
                         </a:rPr>
@@ -10428,7 +10418,7 @@
                     <a:p>
                       <a:pPr algn="l" rtl="0" fontAlgn="base"/>
                       <a:r>
-                        <a:rPr lang="es-PE" b="0" i="0" dirty="0">
+                        <a:rPr lang="es-PE" sz="1600" b="0" i="0" dirty="0">
                           <a:effectLst/>
                           <a:latin typeface="Monaco"/>
                         </a:rPr>
@@ -10438,20 +10428,20 @@
                     <a:p>
                       <a:pPr algn="l" rtl="0" fontAlgn="base"/>
                       <a:r>
-                        <a:rPr lang="es-PE" b="0" i="0" dirty="0">
+                        <a:rPr lang="es-PE" sz="1600" b="0" i="0" dirty="0">
                           <a:effectLst/>
                           <a:latin typeface="Monaco"/>
                         </a:rPr>
                         <a:t>   @</a:t>
                       </a:r>
                       <a:r>
-                        <a:rPr lang="es-PE" b="0" i="0" dirty="0" err="1">
+                        <a:rPr lang="es-PE" sz="1600" b="0" i="0" dirty="0" err="1">
                           <a:effectLst/>
                           <a:latin typeface="Monaco"/>
                         </a:rPr>
                         <a:t>Override</a:t>
                       </a:r>
-                      <a:endParaRPr lang="es-PE" b="0" i="0" dirty="0">
+                      <a:endParaRPr lang="es-PE" sz="1600" b="0" i="0" dirty="0">
                         <a:effectLst/>
                         <a:latin typeface="Monaco"/>
                       </a:endParaRPr>
@@ -10459,7 +10449,7 @@
                     <a:p>
                       <a:pPr algn="l" rtl="0" fontAlgn="base"/>
                       <a:r>
-                        <a:rPr lang="es-PE" b="0" i="0" dirty="0">
+                        <a:rPr lang="es-PE" sz="1600" b="0" i="0" dirty="0">
                           <a:effectLst/>
                           <a:latin typeface="Monaco"/>
                         </a:rPr>
@@ -10469,35 +10459,35 @@
                     <a:p>
                       <a:pPr algn="l" rtl="0" fontAlgn="base"/>
                       <a:r>
-                        <a:rPr lang="es-PE" b="0" i="0" dirty="0">
+                        <a:rPr lang="es-PE" sz="1600" b="0" i="0" dirty="0">
                           <a:effectLst/>
                           <a:latin typeface="Monaco"/>
                         </a:rPr>
                         <a:t>   </a:t>
                       </a:r>
                       <a:r>
-                        <a:rPr lang="es-PE" b="0" i="0" dirty="0" err="1">
+                        <a:rPr lang="es-PE" sz="1600" b="0" i="0" dirty="0" err="1">
                           <a:effectLst/>
                           <a:latin typeface="Monaco"/>
                         </a:rPr>
                         <a:t>public</a:t>
                       </a:r>
                       <a:r>
-                        <a:rPr lang="es-PE" b="0" i="0" dirty="0">
+                        <a:rPr lang="es-PE" sz="1600" b="0" i="0" dirty="0">
                           <a:effectLst/>
                           <a:latin typeface="Monaco"/>
                         </a:rPr>
                         <a:t> </a:t>
                       </a:r>
                       <a:r>
-                        <a:rPr lang="es-PE" b="0" i="0" dirty="0" err="1">
+                        <a:rPr lang="es-PE" sz="1600" b="0" i="0" dirty="0" err="1">
                           <a:effectLst/>
                           <a:latin typeface="Monaco"/>
                         </a:rPr>
                         <a:t>void</a:t>
                       </a:r>
                       <a:r>
-                        <a:rPr lang="es-PE" b="0" i="0" dirty="0">
+                        <a:rPr lang="es-PE" sz="1600" b="0" i="0" dirty="0">
                           <a:effectLst/>
                           <a:latin typeface="Monaco"/>
                         </a:rPr>
@@ -10507,21 +10497,21 @@
                     <a:p>
                       <a:pPr algn="l" rtl="0" fontAlgn="base"/>
                       <a:r>
-                        <a:rPr lang="es-PE" b="0" i="0" dirty="0">
+                        <a:rPr lang="es-PE" sz="1600" b="0" i="0" dirty="0">
                           <a:effectLst/>
                           <a:latin typeface="Monaco"/>
                         </a:rPr>
                         <a:t>      </a:t>
                       </a:r>
                       <a:r>
-                        <a:rPr lang="es-PE" b="0" i="0" dirty="0" err="1">
+                        <a:rPr lang="es-PE" sz="1600" b="0" i="0" dirty="0" err="1">
                           <a:effectLst/>
                           <a:latin typeface="Monaco"/>
                         </a:rPr>
                         <a:t>vehiculo.conducir</a:t>
                       </a:r>
                       <a:r>
-                        <a:rPr lang="es-PE" b="0" i="0" dirty="0">
+                        <a:rPr lang="es-PE" sz="1600" b="0" i="0" dirty="0">
                           <a:effectLst/>
                           <a:latin typeface="Monaco"/>
                         </a:rPr>
@@ -10531,7 +10521,7 @@
                     <a:p>
                       <a:pPr algn="l" rtl="0" fontAlgn="base"/>
                       <a:r>
-                        <a:rPr lang="es-PE" b="0" i="0" dirty="0">
+                        <a:rPr lang="es-PE" sz="1600" b="0" i="0" dirty="0">
                           <a:effectLst/>
                           <a:latin typeface="Monaco"/>
                         </a:rPr>
@@ -10541,7 +10531,7 @@
                     <a:p>
                       <a:pPr algn="l" rtl="0" fontAlgn="base"/>
                       <a:r>
-                        <a:rPr lang="es-PE" b="0" i="0" dirty="0">
+                        <a:rPr lang="es-PE" sz="1600" b="0" i="0" dirty="0">
                           <a:effectLst/>
                           <a:latin typeface="Monaco"/>
                         </a:rPr>
@@ -10566,7 +10556,7 @@
                 </a:tc>
                 <a:extLst>
                   <a:ext uri="{0D108BD9-81ED-4DB2-BD59-A6C34878D82A}">
-                    <a16:rowId xmlns:a16="http://schemas.microsoft.com/office/drawing/2014/main" xmlns="" val="2458361423"/>
+                    <a16:rowId xmlns="" xmlns:a16="http://schemas.microsoft.com/office/drawing/2014/main" val="2458361423"/>
                   </a:ext>
                 </a:extLst>
               </a:tr>
